--- a/PyCrimes_Final/PyCrimes - Presentation.pptx
+++ b/PyCrimes_Final/PyCrimes - Presentation.pptx
@@ -23099,10 +23099,10 @@
       </p:sp>
       <p:pic>
         <p:nvPicPr>
-          <p:cNvPr id="6" name="Picture 5">
+          <p:cNvPr id="3" name="Picture 2">
             <a:extLst>
               <a:ext uri="{FF2B5EF4-FFF2-40B4-BE49-F238E27FC236}">
-                <a16:creationId xmlns:a16="http://schemas.microsoft.com/office/drawing/2014/main" id="{8C1D0F1C-6DA1-5AA4-B425-632FF4A670C7}"/>
+                <a16:creationId xmlns:a16="http://schemas.microsoft.com/office/drawing/2014/main" id="{2FCC27C2-CEBF-4305-4A26-F2FD22A1BAC9}"/>
               </a:ext>
             </a:extLst>
           </p:cNvPr>
@@ -23111,27 +23111,33 @@
           </p:cNvPicPr>
           <p:nvPr/>
         </p:nvPicPr>
-        <p:blipFill rotWithShape="1">
+        <p:blipFill>
           <a:blip r:embed="rId3"/>
-          <a:srcRect l="15388" t="5353" r="23652" b="5280"/>
-          <a:stretch/>
+          <a:stretch>
+            <a:fillRect/>
+          </a:stretch>
         </p:blipFill>
         <p:spPr>
           <a:xfrm>
-            <a:off x="6633471" y="1934222"/>
-            <a:ext cx="4561273" cy="4066538"/>
+            <a:off x="857539" y="1333500"/>
+            <a:ext cx="4933661" cy="4069080"/>
           </a:xfrm>
           <a:prstGeom prst="rect">
             <a:avLst/>
           </a:prstGeom>
+          <a:ln>
+            <a:solidFill>
+              <a:schemeClr val="bg1"/>
+            </a:solidFill>
+          </a:ln>
         </p:spPr>
       </p:pic>
       <p:pic>
         <p:nvPicPr>
-          <p:cNvPr id="7" name="Picture 6">
+          <p:cNvPr id="11" name="Picture 10">
             <a:extLst>
               <a:ext uri="{FF2B5EF4-FFF2-40B4-BE49-F238E27FC236}">
-                <a16:creationId xmlns:a16="http://schemas.microsoft.com/office/drawing/2014/main" id="{36C4B27A-93F4-F98D-DCE8-6B1CB9E5CFCF}"/>
+                <a16:creationId xmlns:a16="http://schemas.microsoft.com/office/drawing/2014/main" id="{96577E28-8B2F-8FB1-35ED-B21C94E6DD3A}"/>
               </a:ext>
             </a:extLst>
           </p:cNvPr>
@@ -23140,123 +23146,27 @@
           </p:cNvPicPr>
           <p:nvPr/>
         </p:nvPicPr>
-        <p:blipFill rotWithShape="1">
+        <p:blipFill>
           <a:blip r:embed="rId4"/>
-          <a:srcRect l="8420" t="5368" r="18358"/>
-          <a:stretch/>
+          <a:stretch>
+            <a:fillRect/>
+          </a:stretch>
         </p:blipFill>
         <p:spPr>
           <a:xfrm>
-            <a:off x="754591" y="1943100"/>
-            <a:ext cx="4666695" cy="4138104"/>
+            <a:off x="6164580" y="1333500"/>
+            <a:ext cx="5635322" cy="4069080"/>
           </a:xfrm>
           <a:prstGeom prst="rect">
             <a:avLst/>
           </a:prstGeom>
+          <a:ln>
+            <a:solidFill>
+              <a:schemeClr val="bg1"/>
+            </a:solidFill>
+          </a:ln>
         </p:spPr>
       </p:pic>
-      <p:sp>
-        <p:nvSpPr>
-          <p:cNvPr id="8" name="TextBox 7">
-            <a:extLst>
-              <a:ext uri="{FF2B5EF4-FFF2-40B4-BE49-F238E27FC236}">
-                <a16:creationId xmlns:a16="http://schemas.microsoft.com/office/drawing/2014/main" id="{515693BC-1EBD-A2DF-36C6-E12883F35407}"/>
-              </a:ext>
-            </a:extLst>
-          </p:cNvPr>
-          <p:cNvSpPr txBox="1"/>
-          <p:nvPr/>
-        </p:nvSpPr>
-        <p:spPr>
-          <a:xfrm>
-            <a:off x="1644960" y="1476405"/>
-            <a:ext cx="3468580" cy="461665"/>
-          </a:xfrm>
-          <a:prstGeom prst="rect">
-            <a:avLst/>
-          </a:prstGeom>
-          <a:noFill/>
-        </p:spPr>
-        <p:txBody>
-          <a:bodyPr wrap="square" rtlCol="0">
-            <a:spAutoFit/>
-          </a:bodyPr>
-          <a:lstStyle/>
-          <a:p>
-            <a:pPr algn="ctr"/>
-            <a:r>
-              <a:rPr lang="en-US" sz="1200" b="1" dirty="0">
-                <a:solidFill>
-                  <a:schemeClr val="bg1"/>
-                </a:solidFill>
-              </a:rPr>
-              <a:t>Total Law Enforcement Employees vs. Total Arrests </a:t>
-            </a:r>
-          </a:p>
-          <a:p>
-            <a:pPr algn="ctr"/>
-            <a:r>
-              <a:rPr lang="en-US" sz="1200" b="1" dirty="0">
-                <a:solidFill>
-                  <a:schemeClr val="bg1"/>
-                </a:solidFill>
-              </a:rPr>
-              <a:t>(2010 – 2020)</a:t>
-            </a:r>
-          </a:p>
-        </p:txBody>
-      </p:sp>
-      <p:sp>
-        <p:nvSpPr>
-          <p:cNvPr id="9" name="TextBox 8">
-            <a:extLst>
-              <a:ext uri="{FF2B5EF4-FFF2-40B4-BE49-F238E27FC236}">
-                <a16:creationId xmlns:a16="http://schemas.microsoft.com/office/drawing/2014/main" id="{7FD20C50-9DF2-8FEC-2CAC-BD93B0275335}"/>
-              </a:ext>
-            </a:extLst>
-          </p:cNvPr>
-          <p:cNvSpPr txBox="1"/>
-          <p:nvPr/>
-        </p:nvSpPr>
-        <p:spPr>
-          <a:xfrm>
-            <a:off x="7117682" y="1468663"/>
-            <a:ext cx="4290129" cy="461665"/>
-          </a:xfrm>
-          <a:prstGeom prst="rect">
-            <a:avLst/>
-          </a:prstGeom>
-          <a:noFill/>
-        </p:spPr>
-        <p:txBody>
-          <a:bodyPr wrap="square" rtlCol="0">
-            <a:spAutoFit/>
-          </a:bodyPr>
-          <a:lstStyle/>
-          <a:p>
-            <a:pPr algn="ctr"/>
-            <a:r>
-              <a:rPr lang="en-US" sz="1200" b="1" dirty="0">
-                <a:solidFill>
-                  <a:schemeClr val="bg1"/>
-                </a:solidFill>
-              </a:rPr>
-              <a:t>Law Enforcement Employees per Capita vs. Arrests per Capita</a:t>
-            </a:r>
-          </a:p>
-          <a:p>
-            <a:pPr algn="ctr"/>
-            <a:r>
-              <a:rPr lang="en-US" sz="1200" b="1" dirty="0">
-                <a:solidFill>
-                  <a:schemeClr val="bg1"/>
-                </a:solidFill>
-              </a:rPr>
-              <a:t>(2010 – 2020)</a:t>
-            </a:r>
-          </a:p>
-        </p:txBody>
-      </p:sp>
     </p:spTree>
     <p:extLst>
       <p:ext uri="{BB962C8B-B14F-4D97-AF65-F5344CB8AC3E}">
